--- a/Exercise_2.pptx
+++ b/Exercise_2.pptx
@@ -110,6 +110,11 @@
       </a:defRPr>
     </a:lvl9pPr>
   </p:defaultTextStyle>
+  <p:extLst>
+    <p:ext uri="{EFAFB233-063F-42B5-8137-9DF3F51BA10A}">
+      <p15:sldGuideLst xmlns:p15="http://schemas.microsoft.com/office/powerpoint/2012/main"/>
+    </p:ext>
+  </p:extLst>
 </p:presentation>
 </file>
 
@@ -339,7 +344,7 @@
           <a:p>
             <a:fld id="{EB31CE98-CB7A-475D-B4F8-F1E14801C786}" type="datetimeFigureOut">
               <a:rPr lang="it-IT" smtClean="0"/>
-              <a:t>24/02/2024</a:t>
+              <a:t>26/02/2024</a:t>
             </a:fld>
             <a:endParaRPr lang="it-IT"/>
           </a:p>
@@ -547,7 +552,7 @@
           <a:p>
             <a:fld id="{EB31CE98-CB7A-475D-B4F8-F1E14801C786}" type="datetimeFigureOut">
               <a:rPr lang="it-IT" smtClean="0"/>
-              <a:t>24/02/2024</a:t>
+              <a:t>26/02/2024</a:t>
             </a:fld>
             <a:endParaRPr lang="it-IT"/>
           </a:p>
@@ -803,7 +808,7 @@
           <a:p>
             <a:fld id="{EB31CE98-CB7A-475D-B4F8-F1E14801C786}" type="datetimeFigureOut">
               <a:rPr lang="it-IT" smtClean="0"/>
-              <a:t>24/02/2024</a:t>
+              <a:t>26/02/2024</a:t>
             </a:fld>
             <a:endParaRPr lang="it-IT"/>
           </a:p>
@@ -973,7 +978,7 @@
           <a:p>
             <a:fld id="{EB31CE98-CB7A-475D-B4F8-F1E14801C786}" type="datetimeFigureOut">
               <a:rPr lang="it-IT" smtClean="0"/>
-              <a:t>24/02/2024</a:t>
+              <a:t>26/02/2024</a:t>
             </a:fld>
             <a:endParaRPr lang="it-IT"/>
           </a:p>
@@ -1316,7 +1321,7 @@
           <a:p>
             <a:fld id="{EB31CE98-CB7A-475D-B4F8-F1E14801C786}" type="datetimeFigureOut">
               <a:rPr lang="it-IT" smtClean="0"/>
-              <a:t>24/02/2024</a:t>
+              <a:t>26/02/2024</a:t>
             </a:fld>
             <a:endParaRPr lang="it-IT"/>
           </a:p>
@@ -1591,7 +1596,7 @@
           <a:p>
             <a:fld id="{EB31CE98-CB7A-475D-B4F8-F1E14801C786}" type="datetimeFigureOut">
               <a:rPr lang="it-IT" smtClean="0"/>
-              <a:t>24/02/2024</a:t>
+              <a:t>26/02/2024</a:t>
             </a:fld>
             <a:endParaRPr lang="it-IT"/>
           </a:p>
@@ -1970,7 +1975,7 @@
           <a:p>
             <a:fld id="{EB31CE98-CB7A-475D-B4F8-F1E14801C786}" type="datetimeFigureOut">
               <a:rPr lang="it-IT" smtClean="0"/>
-              <a:t>24/02/2024</a:t>
+              <a:t>26/02/2024</a:t>
             </a:fld>
             <a:endParaRPr lang="it-IT"/>
           </a:p>
@@ -2088,7 +2093,7 @@
           <a:p>
             <a:fld id="{EB31CE98-CB7A-475D-B4F8-F1E14801C786}" type="datetimeFigureOut">
               <a:rPr lang="it-IT" smtClean="0"/>
-              <a:t>24/02/2024</a:t>
+              <a:t>26/02/2024</a:t>
             </a:fld>
             <a:endParaRPr lang="it-IT"/>
           </a:p>
@@ -2259,7 +2264,7 @@
           <a:p>
             <a:fld id="{EB31CE98-CB7A-475D-B4F8-F1E14801C786}" type="datetimeFigureOut">
               <a:rPr lang="it-IT" smtClean="0"/>
-              <a:t>24/02/2024</a:t>
+              <a:t>26/02/2024</a:t>
             </a:fld>
             <a:endParaRPr lang="it-IT"/>
           </a:p>
@@ -2613,7 +2618,7 @@
           <a:p>
             <a:fld id="{EB31CE98-CB7A-475D-B4F8-F1E14801C786}" type="datetimeFigureOut">
               <a:rPr lang="it-IT" smtClean="0"/>
-              <a:t>24/02/2024</a:t>
+              <a:t>26/02/2024</a:t>
             </a:fld>
             <a:endParaRPr lang="it-IT"/>
           </a:p>
@@ -2990,7 +2995,7 @@
           <a:p>
             <a:fld id="{EB31CE98-CB7A-475D-B4F8-F1E14801C786}" type="datetimeFigureOut">
               <a:rPr lang="it-IT" smtClean="0"/>
-              <a:t>24/02/2024</a:t>
+              <a:t>26/02/2024</a:t>
             </a:fld>
             <a:endParaRPr lang="it-IT"/>
           </a:p>
@@ -3277,7 +3282,7 @@
           <a:p>
             <a:fld id="{EB31CE98-CB7A-475D-B4F8-F1E14801C786}" type="datetimeFigureOut">
               <a:rPr lang="it-IT" smtClean="0"/>
-              <a:t>24/02/2024</a:t>
+              <a:t>26/02/2024</a:t>
             </a:fld>
             <a:endParaRPr lang="it-IT"/>
           </a:p>
@@ -3824,7 +3829,7 @@
           <a:p>
             <a:r>
               <a:rPr lang="it-IT" dirty="0" err="1"/>
-              <a:t>Exercize</a:t>
+              <a:t>Exercise</a:t>
             </a:r>
             <a:r>
               <a:rPr lang="it-IT" dirty="0"/>
@@ -4893,7 +4898,7 @@
         </p:blipFill>
         <p:spPr>
           <a:xfrm>
-            <a:off x="520315" y="2122489"/>
+            <a:off x="6278958" y="2268553"/>
             <a:ext cx="5398958" cy="3236278"/>
           </a:xfrm>
         </p:spPr>
@@ -4920,8 +4925,68 @@
         </p:blipFill>
         <p:spPr>
           <a:xfrm>
-            <a:off x="6096000" y="2122489"/>
+            <a:off x="331126" y="2039986"/>
             <a:ext cx="5764874" cy="3399230"/>
+          </a:xfrm>
+          <a:prstGeom prst="rect">
+            <a:avLst/>
+          </a:prstGeom>
+        </p:spPr>
+      </p:pic>
+      <p:pic>
+        <p:nvPicPr>
+          <p:cNvPr id="4" name="Immagine 3">
+            <a:extLst>
+              <a:ext uri="{FF2B5EF4-FFF2-40B4-BE49-F238E27FC236}">
+                <a16:creationId xmlns:a16="http://schemas.microsoft.com/office/drawing/2014/main" id="{5F11A78D-2A24-AB7B-24A5-872AD78017FC}"/>
+              </a:ext>
+            </a:extLst>
+          </p:cNvPr>
+          <p:cNvPicPr>
+            <a:picLocks noChangeAspect="1"/>
+          </p:cNvPicPr>
+          <p:nvPr/>
+        </p:nvPicPr>
+        <p:blipFill>
+          <a:blip r:embed="rId4"/>
+          <a:stretch>
+            <a:fillRect/>
+          </a:stretch>
+        </p:blipFill>
+        <p:spPr>
+          <a:xfrm>
+            <a:off x="411159" y="2039986"/>
+            <a:ext cx="5604808" cy="2973647"/>
+          </a:xfrm>
+          <a:prstGeom prst="rect">
+            <a:avLst/>
+          </a:prstGeom>
+        </p:spPr>
+      </p:pic>
+      <p:pic>
+        <p:nvPicPr>
+          <p:cNvPr id="6" name="Immagine 5">
+            <a:extLst>
+              <a:ext uri="{FF2B5EF4-FFF2-40B4-BE49-F238E27FC236}">
+                <a16:creationId xmlns:a16="http://schemas.microsoft.com/office/drawing/2014/main" id="{A02C1D6F-7ADE-D18A-7FA1-34DAA774586C}"/>
+              </a:ext>
+            </a:extLst>
+          </p:cNvPr>
+          <p:cNvPicPr>
+            <a:picLocks noChangeAspect="1"/>
+          </p:cNvPicPr>
+          <p:nvPr/>
+        </p:nvPicPr>
+        <p:blipFill>
+          <a:blip r:embed="rId5"/>
+          <a:stretch>
+            <a:fillRect/>
+          </a:stretch>
+        </p:blipFill>
+        <p:spPr>
+          <a:xfrm>
+            <a:off x="6114952" y="2039986"/>
+            <a:ext cx="5665889" cy="3029561"/>
           </a:xfrm>
           <a:prstGeom prst="rect">
             <a:avLst/>
@@ -5043,6 +5108,36 @@
           <a:xfrm>
             <a:off x="6191252" y="2436814"/>
             <a:ext cx="5419985" cy="3280517"/>
+          </a:xfrm>
+          <a:prstGeom prst="rect">
+            <a:avLst/>
+          </a:prstGeom>
+        </p:spPr>
+      </p:pic>
+      <p:pic>
+        <p:nvPicPr>
+          <p:cNvPr id="6" name="Immagine 5">
+            <a:extLst>
+              <a:ext uri="{FF2B5EF4-FFF2-40B4-BE49-F238E27FC236}">
+                <a16:creationId xmlns:a16="http://schemas.microsoft.com/office/drawing/2014/main" id="{AE062D24-3210-976B-ECB7-6386154A7617}"/>
+              </a:ext>
+            </a:extLst>
+          </p:cNvPr>
+          <p:cNvPicPr>
+            <a:picLocks noChangeAspect="1"/>
+          </p:cNvPicPr>
+          <p:nvPr/>
+        </p:nvPicPr>
+        <p:blipFill>
+          <a:blip r:embed="rId4"/>
+          <a:stretch>
+            <a:fillRect/>
+          </a:stretch>
+        </p:blipFill>
+        <p:spPr>
+          <a:xfrm>
+            <a:off x="6336721" y="2436814"/>
+            <a:ext cx="5274516" cy="2862262"/>
           </a:xfrm>
           <a:prstGeom prst="rect">
             <a:avLst/>
